--- a/XcosStructure/Lib/images/blocks/FRICTION.pptx
+++ b/XcosStructure/Lib/images/blocks/FRICTION.pptx
@@ -104,6 +104,11 @@
       </a:defRPr>
     </a:lvl9pPr>
   </p:defaultTextStyle>
+  <p:extLst>
+    <p:ext uri="{EFAFB233-063F-42B5-8137-9DF3F51BA10A}">
+      <p15:sldGuideLst xmlns:p15="http://schemas.microsoft.com/office/powerpoint/2012/main"/>
+    </p:ext>
+  </p:extLst>
 </p:presentation>
 </file>
 
@@ -238,7 +243,7 @@
           <a:p>
             <a:fld id="{B10B2E83-E2FA-4848-B70D-079963B7CD73}" type="datetimeFigureOut">
               <a:rPr lang="en-US" smtClean="0"/>
-              <a:t>12/20/2018</a:t>
+              <a:t>12/23/2018</a:t>
             </a:fld>
             <a:endParaRPr lang="en-US"/>
           </a:p>
@@ -408,7 +413,7 @@
           <a:p>
             <a:fld id="{B10B2E83-E2FA-4848-B70D-079963B7CD73}" type="datetimeFigureOut">
               <a:rPr lang="en-US" smtClean="0"/>
-              <a:t>12/20/2018</a:t>
+              <a:t>12/23/2018</a:t>
             </a:fld>
             <a:endParaRPr lang="en-US"/>
           </a:p>
@@ -588,7 +593,7 @@
           <a:p>
             <a:fld id="{B10B2E83-E2FA-4848-B70D-079963B7CD73}" type="datetimeFigureOut">
               <a:rPr lang="en-US" smtClean="0"/>
-              <a:t>12/20/2018</a:t>
+              <a:t>12/23/2018</a:t>
             </a:fld>
             <a:endParaRPr lang="en-US"/>
           </a:p>
@@ -758,7 +763,7 @@
           <a:p>
             <a:fld id="{B10B2E83-E2FA-4848-B70D-079963B7CD73}" type="datetimeFigureOut">
               <a:rPr lang="en-US" smtClean="0"/>
-              <a:t>12/20/2018</a:t>
+              <a:t>12/23/2018</a:t>
             </a:fld>
             <a:endParaRPr lang="en-US"/>
           </a:p>
@@ -1004,7 +1009,7 @@
           <a:p>
             <a:fld id="{B10B2E83-E2FA-4848-B70D-079963B7CD73}" type="datetimeFigureOut">
               <a:rPr lang="en-US" smtClean="0"/>
-              <a:t>12/20/2018</a:t>
+              <a:t>12/23/2018</a:t>
             </a:fld>
             <a:endParaRPr lang="en-US"/>
           </a:p>
@@ -1236,7 +1241,7 @@
           <a:p>
             <a:fld id="{B10B2E83-E2FA-4848-B70D-079963B7CD73}" type="datetimeFigureOut">
               <a:rPr lang="en-US" smtClean="0"/>
-              <a:t>12/20/2018</a:t>
+              <a:t>12/23/2018</a:t>
             </a:fld>
             <a:endParaRPr lang="en-US"/>
           </a:p>
@@ -1603,7 +1608,7 @@
           <a:p>
             <a:fld id="{B10B2E83-E2FA-4848-B70D-079963B7CD73}" type="datetimeFigureOut">
               <a:rPr lang="en-US" smtClean="0"/>
-              <a:t>12/20/2018</a:t>
+              <a:t>12/23/2018</a:t>
             </a:fld>
             <a:endParaRPr lang="en-US"/>
           </a:p>
@@ -1721,7 +1726,7 @@
           <a:p>
             <a:fld id="{B10B2E83-E2FA-4848-B70D-079963B7CD73}" type="datetimeFigureOut">
               <a:rPr lang="en-US" smtClean="0"/>
-              <a:t>12/20/2018</a:t>
+              <a:t>12/23/2018</a:t>
             </a:fld>
             <a:endParaRPr lang="en-US"/>
           </a:p>
@@ -1816,7 +1821,7 @@
           <a:p>
             <a:fld id="{B10B2E83-E2FA-4848-B70D-079963B7CD73}" type="datetimeFigureOut">
               <a:rPr lang="en-US" smtClean="0"/>
-              <a:t>12/20/2018</a:t>
+              <a:t>12/23/2018</a:t>
             </a:fld>
             <a:endParaRPr lang="en-US"/>
           </a:p>
@@ -2093,7 +2098,7 @@
           <a:p>
             <a:fld id="{B10B2E83-E2FA-4848-B70D-079963B7CD73}" type="datetimeFigureOut">
               <a:rPr lang="en-US" smtClean="0"/>
-              <a:t>12/20/2018</a:t>
+              <a:t>12/23/2018</a:t>
             </a:fld>
             <a:endParaRPr lang="en-US"/>
           </a:p>
@@ -2346,7 +2351,7 @@
           <a:p>
             <a:fld id="{B10B2E83-E2FA-4848-B70D-079963B7CD73}" type="datetimeFigureOut">
               <a:rPr lang="en-US" smtClean="0"/>
-              <a:t>12/20/2018</a:t>
+              <a:t>12/23/2018</a:t>
             </a:fld>
             <a:endParaRPr lang="en-US"/>
           </a:p>
@@ -2559,7 +2564,7 @@
           <a:p>
             <a:fld id="{B10B2E83-E2FA-4848-B70D-079963B7CD73}" type="datetimeFigureOut">
               <a:rPr lang="en-US" smtClean="0"/>
-              <a:t>12/20/2018</a:t>
+              <a:t>12/23/2018</a:t>
             </a:fld>
             <a:endParaRPr lang="en-US"/>
           </a:p>
@@ -3014,8 +3019,8 @@
         </p:nvSpPr>
         <p:spPr>
           <a:xfrm>
-            <a:off x="9409043" y="675860"/>
-            <a:ext cx="2637183" cy="3416320"/>
+            <a:off x="9193688" y="383461"/>
+            <a:ext cx="2637183" cy="5909310"/>
           </a:xfrm>
           <a:prstGeom prst="rect">
             <a:avLst/>
@@ -3032,8 +3037,17 @@
           </a:p>
           <a:p>
             <a:r>
+              <a:rPr lang="en-US" sz="5400" dirty="0"/>
+              <a:t>Velocity</a:t>
+            </a:r>
+          </a:p>
+          <a:p>
+            <a:endParaRPr lang="en-US" sz="5400" dirty="0" smtClean="0"/>
+          </a:p>
+          <a:p>
+            <a:r>
               <a:rPr lang="en-US" sz="5400" dirty="0" err="1" smtClean="0"/>
-              <a:t>DFmod</a:t>
+              <a:t>Dfmod</a:t>
             </a:r>
             <a:endParaRPr lang="en-US" sz="5400" dirty="0" smtClean="0"/>
           </a:p>
@@ -3043,8 +3057,11 @@
           <a:p>
             <a:r>
               <a:rPr lang="en-US" sz="5400" dirty="0" smtClean="0"/>
-              <a:t>Velocity</a:t>
-            </a:r>
+              <a:t>Mode</a:t>
+            </a:r>
+            <a:endParaRPr lang="en-US" sz="5400" dirty="0" smtClean="0"/>
+          </a:p>
+          <a:p>
             <a:endParaRPr lang="en-US" sz="5400" dirty="0"/>
           </a:p>
         </p:txBody>
@@ -3682,7 +3699,7 @@
         </p:nvCxnSpPr>
         <p:spPr>
           <a:xfrm>
-            <a:off x="9623773" y="2456005"/>
+            <a:off x="9441965" y="2018683"/>
             <a:ext cx="947527" cy="26504"/>
           </a:xfrm>
           <a:prstGeom prst="straightConnector1">
@@ -3793,7 +3810,7 @@
         </p:nvCxnSpPr>
         <p:spPr>
           <a:xfrm>
-            <a:off x="9435546" y="3247588"/>
+            <a:off x="9336458" y="3680409"/>
             <a:ext cx="2351642" cy="9962"/>
           </a:xfrm>
           <a:prstGeom prst="straightConnector1">

--- a/XcosStructure/Lib/images/blocks/FRICTION.pptx
+++ b/XcosStructure/Lib/images/blocks/FRICTION.pptx
@@ -243,7 +243,7 @@
           <a:p>
             <a:fld id="{B10B2E83-E2FA-4848-B70D-079963B7CD73}" type="datetimeFigureOut">
               <a:rPr lang="en-US" smtClean="0"/>
-              <a:t>12/23/2018</a:t>
+              <a:t>12/26/2018</a:t>
             </a:fld>
             <a:endParaRPr lang="en-US"/>
           </a:p>
@@ -413,7 +413,7 @@
           <a:p>
             <a:fld id="{B10B2E83-E2FA-4848-B70D-079963B7CD73}" type="datetimeFigureOut">
               <a:rPr lang="en-US" smtClean="0"/>
-              <a:t>12/23/2018</a:t>
+              <a:t>12/26/2018</a:t>
             </a:fld>
             <a:endParaRPr lang="en-US"/>
           </a:p>
@@ -593,7 +593,7 @@
           <a:p>
             <a:fld id="{B10B2E83-E2FA-4848-B70D-079963B7CD73}" type="datetimeFigureOut">
               <a:rPr lang="en-US" smtClean="0"/>
-              <a:t>12/23/2018</a:t>
+              <a:t>12/26/2018</a:t>
             </a:fld>
             <a:endParaRPr lang="en-US"/>
           </a:p>
@@ -763,7 +763,7 @@
           <a:p>
             <a:fld id="{B10B2E83-E2FA-4848-B70D-079963B7CD73}" type="datetimeFigureOut">
               <a:rPr lang="en-US" smtClean="0"/>
-              <a:t>12/23/2018</a:t>
+              <a:t>12/26/2018</a:t>
             </a:fld>
             <a:endParaRPr lang="en-US"/>
           </a:p>
@@ -1009,7 +1009,7 @@
           <a:p>
             <a:fld id="{B10B2E83-E2FA-4848-B70D-079963B7CD73}" type="datetimeFigureOut">
               <a:rPr lang="en-US" smtClean="0"/>
-              <a:t>12/23/2018</a:t>
+              <a:t>12/26/2018</a:t>
             </a:fld>
             <a:endParaRPr lang="en-US"/>
           </a:p>
@@ -1241,7 +1241,7 @@
           <a:p>
             <a:fld id="{B10B2E83-E2FA-4848-B70D-079963B7CD73}" type="datetimeFigureOut">
               <a:rPr lang="en-US" smtClean="0"/>
-              <a:t>12/23/2018</a:t>
+              <a:t>12/26/2018</a:t>
             </a:fld>
             <a:endParaRPr lang="en-US"/>
           </a:p>
@@ -1608,7 +1608,7 @@
           <a:p>
             <a:fld id="{B10B2E83-E2FA-4848-B70D-079963B7CD73}" type="datetimeFigureOut">
               <a:rPr lang="en-US" smtClean="0"/>
-              <a:t>12/23/2018</a:t>
+              <a:t>12/26/2018</a:t>
             </a:fld>
             <a:endParaRPr lang="en-US"/>
           </a:p>
@@ -1726,7 +1726,7 @@
           <a:p>
             <a:fld id="{B10B2E83-E2FA-4848-B70D-079963B7CD73}" type="datetimeFigureOut">
               <a:rPr lang="en-US" smtClean="0"/>
-              <a:t>12/23/2018</a:t>
+              <a:t>12/26/2018</a:t>
             </a:fld>
             <a:endParaRPr lang="en-US"/>
           </a:p>
@@ -1821,7 +1821,7 @@
           <a:p>
             <a:fld id="{B10B2E83-E2FA-4848-B70D-079963B7CD73}" type="datetimeFigureOut">
               <a:rPr lang="en-US" smtClean="0"/>
-              <a:t>12/23/2018</a:t>
+              <a:t>12/26/2018</a:t>
             </a:fld>
             <a:endParaRPr lang="en-US"/>
           </a:p>
@@ -2098,7 +2098,7 @@
           <a:p>
             <a:fld id="{B10B2E83-E2FA-4848-B70D-079963B7CD73}" type="datetimeFigureOut">
               <a:rPr lang="en-US" smtClean="0"/>
-              <a:t>12/23/2018</a:t>
+              <a:t>12/26/2018</a:t>
             </a:fld>
             <a:endParaRPr lang="en-US"/>
           </a:p>
@@ -2351,7 +2351,7 @@
           <a:p>
             <a:fld id="{B10B2E83-E2FA-4848-B70D-079963B7CD73}" type="datetimeFigureOut">
               <a:rPr lang="en-US" smtClean="0"/>
-              <a:t>12/23/2018</a:t>
+              <a:t>12/26/2018</a:t>
             </a:fld>
             <a:endParaRPr lang="en-US"/>
           </a:p>
@@ -2564,7 +2564,7 @@
           <a:p>
             <a:fld id="{B10B2E83-E2FA-4848-B70D-079963B7CD73}" type="datetimeFigureOut">
               <a:rPr lang="en-US" smtClean="0"/>
-              <a:t>12/23/2018</a:t>
+              <a:t>12/26/2018</a:t>
             </a:fld>
             <a:endParaRPr lang="en-US"/>
           </a:p>
@@ -2978,7 +2978,7 @@
         <p:spPr>
           <a:xfrm>
             <a:off x="-624" y="518695"/>
-            <a:ext cx="3127513" cy="4154984"/>
+            <a:ext cx="3127513" cy="3139321"/>
           </a:xfrm>
           <a:prstGeom prst="rect">
             <a:avLst/>
@@ -3002,13 +3002,6 @@
           <a:p>
             <a:endParaRPr lang="en-US" sz="6600" dirty="0" smtClean="0"/>
           </a:p>
-          <a:p>
-            <a:r>
-              <a:rPr lang="en-US" sz="6600" dirty="0" smtClean="0"/>
-              <a:t>STOPS</a:t>
-            </a:r>
-            <a:endParaRPr lang="en-US" sz="6600" dirty="0"/>
-          </a:p>
         </p:txBody>
       </p:sp>
       <p:sp>
@@ -3020,7 +3013,7 @@
         <p:spPr>
           <a:xfrm>
             <a:off x="9193688" y="383461"/>
-            <a:ext cx="2637183" cy="5909310"/>
+            <a:ext cx="2637183" cy="6740307"/>
           </a:xfrm>
           <a:prstGeom prst="rect">
             <a:avLst/>
@@ -3033,16 +3026,23 @@
           </a:bodyPr>
           <a:lstStyle/>
           <a:p>
+            <a:r>
+              <a:rPr lang="en-US" sz="5400" dirty="0" smtClean="0"/>
+              <a:t>X</a:t>
+            </a:r>
             <a:endParaRPr lang="en-US" sz="5400" dirty="0" smtClean="0"/>
           </a:p>
           <a:p>
-            <a:r>
-              <a:rPr lang="en-US" sz="5400" dirty="0"/>
-              <a:t>Velocity</a:t>
-            </a:r>
-          </a:p>
-          <a:p>
-            <a:endParaRPr lang="en-US" sz="5400" dirty="0" smtClean="0"/>
+            <a:endParaRPr lang="en-US" sz="5400" dirty="0"/>
+          </a:p>
+          <a:p>
+            <a:r>
+              <a:rPr lang="en-US" sz="5400" dirty="0" smtClean="0"/>
+              <a:t>V</a:t>
+            </a:r>
+          </a:p>
+          <a:p>
+            <a:endParaRPr lang="en-US" sz="5400" dirty="0"/>
           </a:p>
           <a:p>
             <a:r>
@@ -3052,7 +3052,7 @@
             <a:endParaRPr lang="en-US" sz="5400" dirty="0" smtClean="0"/>
           </a:p>
           <a:p>
-            <a:endParaRPr lang="en-US" sz="5400" dirty="0"/>
+            <a:endParaRPr lang="en-US" sz="5400" dirty="0" smtClean="0"/>
           </a:p>
           <a:p>
             <a:r>
@@ -3699,7 +3699,7 @@
         </p:nvCxnSpPr>
         <p:spPr>
           <a:xfrm>
-            <a:off x="9441965" y="2018683"/>
+            <a:off x="9336458" y="1276562"/>
             <a:ext cx="947527" cy="26504"/>
           </a:xfrm>
           <a:prstGeom prst="straightConnector1">
@@ -3725,83 +3725,6 @@
           </a:fontRef>
         </p:style>
       </p:cxnSp>
-      <p:grpSp>
-        <p:nvGrpSpPr>
-          <p:cNvPr id="47" name="Group 46"/>
-          <p:cNvGrpSpPr/>
-          <p:nvPr/>
-        </p:nvGrpSpPr>
-        <p:grpSpPr>
-          <a:xfrm>
-            <a:off x="1162255" y="2714625"/>
-            <a:ext cx="1162880" cy="1378226"/>
-            <a:chOff x="2418520" y="2968487"/>
-            <a:chExt cx="692429" cy="1152939"/>
-          </a:xfrm>
-        </p:grpSpPr>
-        <p:cxnSp>
-          <p:nvCxnSpPr>
-            <p:cNvPr id="43" name="Straight Connector 42"/>
-            <p:cNvCxnSpPr/>
-            <p:nvPr/>
-          </p:nvCxnSpPr>
-          <p:spPr>
-            <a:xfrm>
-              <a:off x="3110949" y="2968487"/>
-              <a:ext cx="0" cy="1152939"/>
-            </a:xfrm>
-            <a:prstGeom prst="line">
-              <a:avLst/>
-            </a:prstGeom>
-            <a:ln w="76200"/>
-          </p:spPr>
-          <p:style>
-            <a:lnRef idx="1">
-              <a:schemeClr val="accent1"/>
-            </a:lnRef>
-            <a:fillRef idx="0">
-              <a:schemeClr val="accent1"/>
-            </a:fillRef>
-            <a:effectRef idx="0">
-              <a:schemeClr val="accent1"/>
-            </a:effectRef>
-            <a:fontRef idx="minor">
-              <a:schemeClr val="tx1"/>
-            </a:fontRef>
-          </p:style>
-        </p:cxnSp>
-        <p:cxnSp>
-          <p:nvCxnSpPr>
-            <p:cNvPr id="44" name="Straight Connector 43"/>
-            <p:cNvCxnSpPr/>
-            <p:nvPr/>
-          </p:nvCxnSpPr>
-          <p:spPr>
-            <a:xfrm>
-              <a:off x="2418520" y="3588023"/>
-              <a:ext cx="692429" cy="1970"/>
-            </a:xfrm>
-            <a:prstGeom prst="line">
-              <a:avLst/>
-            </a:prstGeom>
-            <a:ln w="76200"/>
-          </p:spPr>
-          <p:style>
-            <a:lnRef idx="1">
-              <a:schemeClr val="accent1"/>
-            </a:lnRef>
-            <a:fillRef idx="0">
-              <a:schemeClr val="accent1"/>
-            </a:fillRef>
-            <a:effectRef idx="0">
-              <a:schemeClr val="accent1"/>
-            </a:effectRef>
-            <a:fontRef idx="minor">
-              <a:schemeClr val="tx1"/>
-            </a:fontRef>
-          </p:style>
-        </p:cxnSp>
-      </p:grpSp>
       <p:cxnSp>
         <p:nvCxnSpPr>
           <p:cNvPr id="46" name="Straight Arrow Connector 45"/>
@@ -3810,8 +3733,42 @@
         </p:nvCxnSpPr>
         <p:spPr>
           <a:xfrm>
-            <a:off x="9336458" y="3680409"/>
+            <a:off x="9231312" y="2958004"/>
             <a:ext cx="2351642" cy="9962"/>
+          </a:xfrm>
+          <a:prstGeom prst="straightConnector1">
+            <a:avLst/>
+          </a:prstGeom>
+          <a:ln w="76200">
+            <a:headEnd type="none" w="med" len="med"/>
+            <a:tailEnd type="triangle" w="med" len="med"/>
+          </a:ln>
+        </p:spPr>
+        <p:style>
+          <a:lnRef idx="1">
+            <a:schemeClr val="accent1"/>
+          </a:lnRef>
+          <a:fillRef idx="0">
+            <a:schemeClr val="accent1"/>
+          </a:fillRef>
+          <a:effectRef idx="0">
+            <a:schemeClr val="accent1"/>
+          </a:effectRef>
+          <a:fontRef idx="minor">
+            <a:schemeClr val="tx1"/>
+          </a:fontRef>
+        </p:style>
+      </p:cxnSp>
+      <p:cxnSp>
+        <p:nvCxnSpPr>
+          <p:cNvPr id="38" name="Straight Arrow Connector 37"/>
+          <p:cNvCxnSpPr/>
+          <p:nvPr/>
+        </p:nvCxnSpPr>
+        <p:spPr>
+          <a:xfrm>
+            <a:off x="9421982" y="4675745"/>
+            <a:ext cx="947527" cy="26504"/>
           </a:xfrm>
           <a:prstGeom prst="straightConnector1">
             <a:avLst/>

--- a/XcosStructure/Lib/images/blocks/FRICTION.pptx
+++ b/XcosStructure/Lib/images/blocks/FRICTION.pptx
@@ -3030,7 +3030,6 @@
               <a:rPr lang="en-US" sz="5400" dirty="0" smtClean="0"/>
               <a:t>X</a:t>
             </a:r>
-            <a:endParaRPr lang="en-US" sz="5400" dirty="0" smtClean="0"/>
           </a:p>
           <a:p>
             <a:endParaRPr lang="en-US" sz="5400" dirty="0"/>
@@ -3046,8 +3045,8 @@
           </a:p>
           <a:p>
             <a:r>
-              <a:rPr lang="en-US" sz="5400" dirty="0" err="1" smtClean="0"/>
-              <a:t>Dfmod</a:t>
+              <a:rPr lang="en-US" sz="5400" smtClean="0"/>
+              <a:t>DFnet</a:t>
             </a:r>
             <a:endParaRPr lang="en-US" sz="5400" dirty="0" smtClean="0"/>
           </a:p>
@@ -3059,7 +3058,6 @@
               <a:rPr lang="en-US" sz="5400" dirty="0" smtClean="0"/>
               <a:t>Mode</a:t>
             </a:r>
-            <a:endParaRPr lang="en-US" sz="5400" dirty="0" smtClean="0"/>
           </a:p>
           <a:p>
             <a:endParaRPr lang="en-US" sz="5400" dirty="0"/>
